--- a/EgitimTemelBilgiler/Temel .NET Eğitim Sunum.pptx
+++ b/EgitimTemelBilgiler/Temel .NET Eğitim Sunum.pptx
@@ -5,10 +5,10 @@
     <p:sldMasterId id="2147483648" r:id="rId1"/>
   </p:sldMasterIdLst>
   <p:notesMasterIdLst>
-    <p:notesMasterId r:id="rId8"/>
+    <p:notesMasterId r:id="rId9"/>
   </p:notesMasterIdLst>
   <p:handoutMasterIdLst>
-    <p:handoutMasterId r:id="rId9"/>
+    <p:handoutMasterId r:id="rId10"/>
   </p:handoutMasterIdLst>
   <p:sldIdLst>
     <p:sldId id="256" r:id="rId2"/>
@@ -17,6 +17,7 @@
     <p:sldId id="279" r:id="rId5"/>
     <p:sldId id="280" r:id="rId6"/>
     <p:sldId id="281" r:id="rId7"/>
+    <p:sldId id="282" r:id="rId8"/>
   </p:sldIdLst>
   <p:sldSz cx="12192000" cy="6858000"/>
   <p:notesSz cx="6858000" cy="9144000"/>
@@ -293,7 +294,7 @@
                   <a:uFillTx/>
                 </a:defRPr>
               </a:pPr>
-              <a:t>2/14/2023</a:t>
+              <a:t>2/24/2023</a:t>
             </a:fld>
             <a:endParaRPr lang="en-US" sz="1200" b="0" i="0" u="none" strike="noStrike" kern="1200" cap="none" spc="0" baseline="0">
               <a:solidFill>
@@ -593,7 +594,7 @@
             <a:fld id="{522A34E1-D17C-4112-AD75-E05362F8CE9D}" type="datetime1">
               <a:rPr lang="en-US"/>
               <a:pPr lvl="0"/>
-              <a:t>2/14/2023</a:t>
+              <a:t>2/24/2023</a:t>
             </a:fld>
             <a:endParaRPr lang="en-US"/>
           </a:p>
@@ -13113,15 +13114,6 @@
           <a:effectLst>
             <a:reflection blurRad="12700" stA="38000" endPos="28000" dist="5000" dir="5400000" sy="-100000" algn="bl" rotWithShape="0"/>
           </a:effectLst>
-          <a:extLst>
-            <a:ext uri="{909E8E84-426E-40DD-AFC4-6F175D3DCCD1}">
-              <a14:hiddenFill xmlns:a14="http://schemas.microsoft.com/office/drawing/2010/main">
-                <a:solidFill>
-                  <a:srgbClr val="FFFFFF"/>
-                </a:solidFill>
-              </a14:hiddenFill>
-            </a:ext>
-          </a:extLst>
         </p:spPr>
       </p:pic>
       <p:pic>
@@ -13172,15 +13164,6 @@
           <a:effectLst>
             <a:reflection blurRad="12700" stA="38000" endPos="28000" dist="5000" dir="5400000" sy="-100000" algn="bl" rotWithShape="0"/>
           </a:effectLst>
-          <a:extLst>
-            <a:ext uri="{909E8E84-426E-40DD-AFC4-6F175D3DCCD1}">
-              <a14:hiddenFill xmlns:a14="http://schemas.microsoft.com/office/drawing/2010/main">
-                <a:solidFill>
-                  <a:srgbClr val="FFFFFF"/>
-                </a:solidFill>
-              </a14:hiddenFill>
-            </a:ext>
-          </a:extLst>
         </p:spPr>
       </p:pic>
     </p:spTree>
@@ -14640,6 +14623,574 @@
         </p:txBody>
       </p:sp>
     </p:spTree>
+  </p:cSld>
+  <p:clrMapOvr>
+    <a:masterClrMapping/>
+  </p:clrMapOvr>
+</p:sld>
+</file>
+
+<file path=ppt/slides/slide7.xml><?xml version="1.0" encoding="utf-8"?>
+<p:sld xmlns:a="http://schemas.openxmlformats.org/drawingml/2006/main" xmlns:r="http://schemas.openxmlformats.org/officeDocument/2006/relationships" xmlns:p="http://schemas.openxmlformats.org/presentationml/2006/main">
+  <p:cSld>
+    <p:bg>
+      <p:bgPr>
+        <a:solidFill>
+          <a:schemeClr val="bg1"/>
+        </a:solidFill>
+        <a:effectLst/>
+      </p:bgPr>
+    </p:bg>
+    <p:spTree>
+      <p:nvGrpSpPr>
+        <p:cNvPr id="1" name=""/>
+        <p:cNvGrpSpPr/>
+        <p:nvPr/>
+      </p:nvGrpSpPr>
+      <p:grpSpPr>
+        <a:xfrm>
+          <a:off x="0" y="0"/>
+          <a:ext cx="0" cy="0"/>
+          <a:chOff x="0" y="0"/>
+          <a:chExt cx="0" cy="0"/>
+        </a:xfrm>
+      </p:grpSpPr>
+      <p:sp>
+        <p:nvSpPr>
+          <p:cNvPr id="9" name="Rectangle 8">
+            <a:extLst>
+              <a:ext uri="{FF2B5EF4-FFF2-40B4-BE49-F238E27FC236}">
+                <a16:creationId xmlns:a16="http://schemas.microsoft.com/office/drawing/2014/main" id="{C0B27210-D0CA-4654-B3E3-9ABB4F178EA1}"/>
+              </a:ext>
+              <a:ext uri="{C183D7F6-B498-43B3-948B-1728B52AA6E4}">
+                <adec:decorative xmlns:adec="http://schemas.microsoft.com/office/drawing/2017/decorative" val="1"/>
+              </a:ext>
+            </a:extLst>
+          </p:cNvPr>
+          <p:cNvSpPr>
+            <a:spLocks noGrp="1" noRot="1" noChangeAspect="1" noMove="1" noResize="1" noEditPoints="1" noAdjustHandles="1" noChangeArrowheads="1" noChangeShapeType="1" noTextEdit="1"/>
+          </p:cNvSpPr>
+          <p:nvPr>
+            <p:extLst>
+              <p:ext uri="{386F3935-93C4-4BCD-93E2-E3B085C9AB24}">
+                <p16:designElem xmlns:p16="http://schemas.microsoft.com/office/powerpoint/2015/main" val="1"/>
+              </p:ext>
+            </p:extLst>
+          </p:nvPr>
+        </p:nvSpPr>
+        <p:spPr>
+          <a:xfrm>
+            <a:off x="0" y="0"/>
+            <a:ext cx="12192000" cy="6858000"/>
+          </a:xfrm>
+          <a:prstGeom prst="rect">
+            <a:avLst/>
+          </a:prstGeom>
+          <a:solidFill>
+            <a:schemeClr val="tx1">
+              <a:lumMod val="75000"/>
+              <a:lumOff val="25000"/>
+            </a:schemeClr>
+          </a:solidFill>
+          <a:ln>
+            <a:noFill/>
+          </a:ln>
+        </p:spPr>
+        <p:style>
+          <a:lnRef idx="2">
+            <a:schemeClr val="accent1">
+              <a:shade val="50000"/>
+            </a:schemeClr>
+          </a:lnRef>
+          <a:fillRef idx="1">
+            <a:schemeClr val="accent1"/>
+          </a:fillRef>
+          <a:effectRef idx="0">
+            <a:schemeClr val="accent1"/>
+          </a:effectRef>
+          <a:fontRef idx="minor">
+            <a:schemeClr val="lt1"/>
+          </a:fontRef>
+        </p:style>
+        <p:txBody>
+          <a:bodyPr rtlCol="0" anchor="ctr"/>
+          <a:lstStyle/>
+          <a:p>
+            <a:pPr algn="ctr"/>
+            <a:endParaRPr lang="en-US"/>
+          </a:p>
+        </p:txBody>
+      </p:sp>
+      <p:sp>
+        <p:nvSpPr>
+          <p:cNvPr id="2" name="Title 1">
+            <a:extLst>
+              <a:ext uri="{FF2B5EF4-FFF2-40B4-BE49-F238E27FC236}">
+                <a16:creationId xmlns:a16="http://schemas.microsoft.com/office/drawing/2014/main" id="{94F17E54-BEC4-D440-D761-1E0C4EEB341F}"/>
+              </a:ext>
+            </a:extLst>
+          </p:cNvPr>
+          <p:cNvSpPr txBox="1">
+            <a:spLocks noGrp="1"/>
+          </p:cNvSpPr>
+          <p:nvPr>
+            <p:ph type="ctrTitle"/>
+          </p:nvPr>
+        </p:nvSpPr>
+        <p:spPr>
+          <a:xfrm>
+            <a:off x="6746628" y="1783959"/>
+            <a:ext cx="4645250" cy="2889114"/>
+          </a:xfrm>
+        </p:spPr>
+        <p:txBody>
+          <a:bodyPr anchor="b">
+            <a:normAutofit/>
+          </a:bodyPr>
+          <a:lstStyle/>
+          <a:p>
+            <a:pPr lvl="0"/>
+            <a:r>
+              <a:rPr lang="tr-TR">
+                <a:solidFill>
+                  <a:schemeClr val="bg1"/>
+                </a:solidFill>
+                <a:latin typeface="LexendDeca"/>
+              </a:rPr>
+              <a:t>TEMEL .NET YAZILIM EĞİTİMİ</a:t>
+            </a:r>
+            <a:endParaRPr lang="en-US">
+              <a:solidFill>
+                <a:schemeClr val="bg1"/>
+              </a:solidFill>
+              <a:latin typeface="LexendDeca"/>
+            </a:endParaRPr>
+          </a:p>
+        </p:txBody>
+      </p:sp>
+      <p:sp>
+        <p:nvSpPr>
+          <p:cNvPr id="3" name="Subtitle 2">
+            <a:extLst>
+              <a:ext uri="{FF2B5EF4-FFF2-40B4-BE49-F238E27FC236}">
+                <a16:creationId xmlns:a16="http://schemas.microsoft.com/office/drawing/2014/main" id="{AFDB8983-356A-BAFD-BA01-B5DBAFDC6956}"/>
+              </a:ext>
+            </a:extLst>
+          </p:cNvPr>
+          <p:cNvSpPr txBox="1">
+            <a:spLocks noGrp="1"/>
+          </p:cNvSpPr>
+          <p:nvPr>
+            <p:ph type="subTitle" idx="1"/>
+          </p:nvPr>
+        </p:nvSpPr>
+        <p:spPr>
+          <a:xfrm>
+            <a:off x="6746627" y="4750893"/>
+            <a:ext cx="4645250" cy="1147863"/>
+          </a:xfrm>
+        </p:spPr>
+        <p:txBody>
+          <a:bodyPr anchor="t">
+            <a:normAutofit/>
+          </a:bodyPr>
+          <a:lstStyle/>
+          <a:p>
+            <a:pPr lvl="0"/>
+            <a:r>
+              <a:rPr lang="tr-TR" sz="2000">
+                <a:solidFill>
+                  <a:schemeClr val="bg1"/>
+                </a:solidFill>
+              </a:rPr>
+              <a:t>KAPANIŞ</a:t>
+            </a:r>
+            <a:endParaRPr lang="en-US" sz="2000">
+              <a:solidFill>
+                <a:schemeClr val="bg1"/>
+              </a:solidFill>
+            </a:endParaRPr>
+          </a:p>
+        </p:txBody>
+      </p:sp>
+      <p:sp>
+        <p:nvSpPr>
+          <p:cNvPr id="11" name="Freeform: Shape 10">
+            <a:extLst>
+              <a:ext uri="{FF2B5EF4-FFF2-40B4-BE49-F238E27FC236}">
+                <a16:creationId xmlns:a16="http://schemas.microsoft.com/office/drawing/2014/main" id="{1DB7C82F-AB7E-4F0C-B829-FA1B9C415180}"/>
+              </a:ext>
+              <a:ext uri="{C183D7F6-B498-43B3-948B-1728B52AA6E4}">
+                <adec:decorative xmlns:adec="http://schemas.microsoft.com/office/drawing/2017/decorative" val="1"/>
+              </a:ext>
+            </a:extLst>
+          </p:cNvPr>
+          <p:cNvSpPr>
+            <a:spLocks noGrp="1" noRot="1" noChangeAspect="1" noMove="1" noResize="1" noEditPoints="1" noAdjustHandles="1" noChangeArrowheads="1" noChangeShapeType="1" noTextEdit="1"/>
+          </p:cNvSpPr>
+          <p:nvPr>
+            <p:extLst>
+              <p:ext uri="{386F3935-93C4-4BCD-93E2-E3B085C9AB24}">
+                <p16:designElem xmlns:p16="http://schemas.microsoft.com/office/powerpoint/2015/main" val="1"/>
+              </p:ext>
+            </p:extLst>
+          </p:nvPr>
+        </p:nvSpPr>
+        <p:spPr>
+          <a:xfrm flipH="1">
+            <a:off x="0" y="0"/>
+            <a:ext cx="6172782" cy="6858000"/>
+          </a:xfrm>
+          <a:custGeom>
+            <a:avLst/>
+            <a:gdLst>
+              <a:gd name="connsiteX0" fmla="*/ 6172782 w 6172782"/>
+              <a:gd name="connsiteY0" fmla="*/ 0 h 6858000"/>
+              <a:gd name="connsiteX1" fmla="*/ 69075 w 6172782"/>
+              <a:gd name="connsiteY1" fmla="*/ 0 h 6858000"/>
+              <a:gd name="connsiteX2" fmla="*/ 35131 w 6172782"/>
+              <a:gd name="connsiteY2" fmla="*/ 267128 h 6858000"/>
+              <a:gd name="connsiteX3" fmla="*/ 0 w 6172782"/>
+              <a:gd name="connsiteY3" fmla="*/ 962845 h 6858000"/>
+              <a:gd name="connsiteX4" fmla="*/ 3276103 w 6172782"/>
+              <a:gd name="connsiteY4" fmla="*/ 6782205 h 6858000"/>
+              <a:gd name="connsiteX5" fmla="*/ 3407923 w 6172782"/>
+              <a:gd name="connsiteY5" fmla="*/ 6858000 h 6858000"/>
+              <a:gd name="connsiteX6" fmla="*/ 6172782 w 6172782"/>
+              <a:gd name="connsiteY6" fmla="*/ 6858000 h 6858000"/>
+            </a:gdLst>
+            <a:ahLst/>
+            <a:cxnLst>
+              <a:cxn ang="0">
+                <a:pos x="connsiteX0" y="connsiteY0"/>
+              </a:cxn>
+              <a:cxn ang="0">
+                <a:pos x="connsiteX1" y="connsiteY1"/>
+              </a:cxn>
+              <a:cxn ang="0">
+                <a:pos x="connsiteX2" y="connsiteY2"/>
+              </a:cxn>
+              <a:cxn ang="0">
+                <a:pos x="connsiteX3" y="connsiteY3"/>
+              </a:cxn>
+              <a:cxn ang="0">
+                <a:pos x="connsiteX4" y="connsiteY4"/>
+              </a:cxn>
+              <a:cxn ang="0">
+                <a:pos x="connsiteX5" y="connsiteY5"/>
+              </a:cxn>
+              <a:cxn ang="0">
+                <a:pos x="connsiteX6" y="connsiteY6"/>
+              </a:cxn>
+            </a:cxnLst>
+            <a:rect l="l" t="t" r="r" b="b"/>
+            <a:pathLst>
+              <a:path w="6172782" h="6858000">
+                <a:moveTo>
+                  <a:pt x="6172782" y="0"/>
+                </a:moveTo>
+                <a:lnTo>
+                  <a:pt x="69075" y="0"/>
+                </a:lnTo>
+                <a:lnTo>
+                  <a:pt x="35131" y="267128"/>
+                </a:lnTo>
+                <a:cubicBezTo>
+                  <a:pt x="11901" y="495874"/>
+                  <a:pt x="0" y="727970"/>
+                  <a:pt x="0" y="962845"/>
+                </a:cubicBezTo>
+                <a:cubicBezTo>
+                  <a:pt x="0" y="3429034"/>
+                  <a:pt x="1312002" y="5588789"/>
+                  <a:pt x="3276103" y="6782205"/>
+                </a:cubicBezTo>
+                <a:lnTo>
+                  <a:pt x="3407923" y="6858000"/>
+                </a:lnTo>
+                <a:lnTo>
+                  <a:pt x="6172782" y="6858000"/>
+                </a:lnTo>
+                <a:close/>
+              </a:path>
+            </a:pathLst>
+          </a:custGeom>
+          <a:solidFill>
+            <a:schemeClr val="bg1">
+              <a:alpha val="80000"/>
+            </a:schemeClr>
+          </a:solidFill>
+          <a:ln>
+            <a:noFill/>
+          </a:ln>
+        </p:spPr>
+        <p:style>
+          <a:lnRef idx="2">
+            <a:schemeClr val="accent1">
+              <a:shade val="50000"/>
+            </a:schemeClr>
+          </a:lnRef>
+          <a:fillRef idx="1">
+            <a:schemeClr val="accent1"/>
+          </a:fillRef>
+          <a:effectRef idx="0">
+            <a:schemeClr val="accent1"/>
+          </a:effectRef>
+          <a:fontRef idx="minor">
+            <a:schemeClr val="lt1"/>
+          </a:fontRef>
+        </p:style>
+        <p:txBody>
+          <a:bodyPr wrap="square" rtlCol="0" anchor="ctr">
+            <a:noAutofit/>
+          </a:bodyPr>
+          <a:lstStyle/>
+          <a:p>
+            <a:pPr marL="0" marR="0" lvl="0" indent="0" algn="ctr" defTabSz="914400" rtl="0" eaLnBrk="1" fontAlgn="auto" latinLnBrk="0" hangingPunct="1">
+              <a:lnSpc>
+                <a:spcPct val="100000"/>
+              </a:lnSpc>
+              <a:spcBef>
+                <a:spcPts val="0"/>
+              </a:spcBef>
+              <a:spcAft>
+                <a:spcPts val="0"/>
+              </a:spcAft>
+              <a:buClrTx/>
+              <a:buSzTx/>
+              <a:buFontTx/>
+              <a:buNone/>
+              <a:tabLst/>
+              <a:defRPr/>
+            </a:pPr>
+            <a:endParaRPr kumimoji="0" lang="en-US" sz="1800" b="0" i="0" u="none" strike="noStrike" kern="1200" cap="none" spc="0" normalizeH="0" baseline="0" noProof="0">
+              <a:ln>
+                <a:noFill/>
+              </a:ln>
+              <a:solidFill>
+                <a:prstClr val="white"/>
+              </a:solidFill>
+              <a:effectLst/>
+              <a:uLnTx/>
+              <a:uFillTx/>
+              <a:latin typeface="Calibri" panose="020F0502020204030204"/>
+              <a:ea typeface="+mn-ea"/>
+              <a:cs typeface="+mn-cs"/>
+            </a:endParaRPr>
+          </a:p>
+        </p:txBody>
+      </p:sp>
+      <p:sp>
+        <p:nvSpPr>
+          <p:cNvPr id="13" name="Freeform: Shape 12">
+            <a:extLst>
+              <a:ext uri="{FF2B5EF4-FFF2-40B4-BE49-F238E27FC236}">
+                <a16:creationId xmlns:a16="http://schemas.microsoft.com/office/drawing/2014/main" id="{70B66945-4967-4040-926D-DCA44313CDAB}"/>
+              </a:ext>
+              <a:ext uri="{C183D7F6-B498-43B3-948B-1728B52AA6E4}">
+                <adec:decorative xmlns:adec="http://schemas.microsoft.com/office/drawing/2017/decorative" val="1"/>
+              </a:ext>
+            </a:extLst>
+          </p:cNvPr>
+          <p:cNvSpPr>
+            <a:spLocks noGrp="1" noRot="1" noChangeAspect="1" noMove="1" noResize="1" noEditPoints="1" noAdjustHandles="1" noChangeArrowheads="1" noChangeShapeType="1" noTextEdit="1"/>
+          </p:cNvSpPr>
+          <p:nvPr>
+            <p:extLst>
+              <p:ext uri="{386F3935-93C4-4BCD-93E2-E3B085C9AB24}">
+                <p16:designElem xmlns:p16="http://schemas.microsoft.com/office/powerpoint/2015/main" val="1"/>
+              </p:ext>
+            </p:extLst>
+          </p:nvPr>
+        </p:nvSpPr>
+        <p:spPr>
+          <a:xfrm>
+            <a:off x="0" y="0"/>
+            <a:ext cx="6024154" cy="6858000"/>
+          </a:xfrm>
+          <a:custGeom>
+            <a:avLst/>
+            <a:gdLst>
+              <a:gd name="connsiteX0" fmla="*/ 0 w 6024154"/>
+              <a:gd name="connsiteY0" fmla="*/ 0 h 6858000"/>
+              <a:gd name="connsiteX1" fmla="*/ 5953780 w 6024154"/>
+              <a:gd name="connsiteY1" fmla="*/ 0 h 6858000"/>
+              <a:gd name="connsiteX2" fmla="*/ 5989880 w 6024154"/>
+              <a:gd name="connsiteY2" fmla="*/ 284091 h 6858000"/>
+              <a:gd name="connsiteX3" fmla="*/ 6024154 w 6024154"/>
+              <a:gd name="connsiteY3" fmla="*/ 962844 h 6858000"/>
+              <a:gd name="connsiteX4" fmla="*/ 2549934 w 6024154"/>
+              <a:gd name="connsiteY4" fmla="*/ 6800152 h 6858000"/>
+              <a:gd name="connsiteX5" fmla="*/ 2436987 w 6024154"/>
+              <a:gd name="connsiteY5" fmla="*/ 6858000 h 6858000"/>
+              <a:gd name="connsiteX6" fmla="*/ 0 w 6024154"/>
+              <a:gd name="connsiteY6" fmla="*/ 6858000 h 6858000"/>
+            </a:gdLst>
+            <a:ahLst/>
+            <a:cxnLst>
+              <a:cxn ang="0">
+                <a:pos x="connsiteX0" y="connsiteY0"/>
+              </a:cxn>
+              <a:cxn ang="0">
+                <a:pos x="connsiteX1" y="connsiteY1"/>
+              </a:cxn>
+              <a:cxn ang="0">
+                <a:pos x="connsiteX2" y="connsiteY2"/>
+              </a:cxn>
+              <a:cxn ang="0">
+                <a:pos x="connsiteX3" y="connsiteY3"/>
+              </a:cxn>
+              <a:cxn ang="0">
+                <a:pos x="connsiteX4" y="connsiteY4"/>
+              </a:cxn>
+              <a:cxn ang="0">
+                <a:pos x="connsiteX5" y="connsiteY5"/>
+              </a:cxn>
+              <a:cxn ang="0">
+                <a:pos x="connsiteX6" y="connsiteY6"/>
+              </a:cxn>
+            </a:cxnLst>
+            <a:rect l="l" t="t" r="r" b="b"/>
+            <a:pathLst>
+              <a:path w="6024154" h="6858000">
+                <a:moveTo>
+                  <a:pt x="0" y="0"/>
+                </a:moveTo>
+                <a:lnTo>
+                  <a:pt x="5953780" y="0"/>
+                </a:lnTo>
+                <a:lnTo>
+                  <a:pt x="5989880" y="284091"/>
+                </a:lnTo>
+                <a:cubicBezTo>
+                  <a:pt x="6012544" y="507260"/>
+                  <a:pt x="6024154" y="733696"/>
+                  <a:pt x="6024154" y="962844"/>
+                </a:cubicBezTo>
+                <a:cubicBezTo>
+                  <a:pt x="6024154" y="3483472"/>
+                  <a:pt x="4619336" y="5675986"/>
+                  <a:pt x="2549934" y="6800152"/>
+                </a:cubicBezTo>
+                <a:lnTo>
+                  <a:pt x="2436987" y="6858000"/>
+                </a:lnTo>
+                <a:lnTo>
+                  <a:pt x="0" y="6858000"/>
+                </a:lnTo>
+                <a:close/>
+              </a:path>
+            </a:pathLst>
+          </a:custGeom>
+          <a:solidFill>
+            <a:schemeClr val="bg1"/>
+          </a:solidFill>
+          <a:ln>
+            <a:noFill/>
+          </a:ln>
+        </p:spPr>
+        <p:style>
+          <a:lnRef idx="2">
+            <a:schemeClr val="accent1">
+              <a:shade val="50000"/>
+            </a:schemeClr>
+          </a:lnRef>
+          <a:fillRef idx="1">
+            <a:schemeClr val="accent1"/>
+          </a:fillRef>
+          <a:effectRef idx="0">
+            <a:schemeClr val="accent1"/>
+          </a:effectRef>
+          <a:fontRef idx="minor">
+            <a:schemeClr val="lt1"/>
+          </a:fontRef>
+        </p:style>
+        <p:txBody>
+          <a:bodyPr wrap="square" rtlCol="0" anchor="ctr">
+            <a:noAutofit/>
+          </a:bodyPr>
+          <a:lstStyle/>
+          <a:p>
+            <a:pPr marL="0" marR="0" lvl="0" indent="0" algn="ctr" defTabSz="914400" rtl="0" eaLnBrk="1" fontAlgn="auto" latinLnBrk="0" hangingPunct="1">
+              <a:lnSpc>
+                <a:spcPct val="100000"/>
+              </a:lnSpc>
+              <a:spcBef>
+                <a:spcPts val="0"/>
+              </a:spcBef>
+              <a:spcAft>
+                <a:spcPts val="0"/>
+              </a:spcAft>
+              <a:buClrTx/>
+              <a:buSzTx/>
+              <a:buFontTx/>
+              <a:buNone/>
+              <a:tabLst/>
+              <a:defRPr/>
+            </a:pPr>
+            <a:endParaRPr kumimoji="0" lang="en-US" sz="1800" b="0" i="0" u="none" strike="noStrike" kern="1200" cap="none" spc="0" normalizeH="0" baseline="0" noProof="0">
+              <a:ln>
+                <a:noFill/>
+              </a:ln>
+              <a:solidFill>
+                <a:prstClr val="white"/>
+              </a:solidFill>
+              <a:effectLst/>
+              <a:uLnTx/>
+              <a:uFillTx/>
+              <a:latin typeface="Calibri" panose="020F0502020204030204"/>
+              <a:ea typeface="+mn-ea"/>
+              <a:cs typeface="+mn-cs"/>
+            </a:endParaRPr>
+          </a:p>
+        </p:txBody>
+      </p:sp>
+      <p:pic>
+        <p:nvPicPr>
+          <p:cNvPr id="4" name="Camera 3">
+            <a:extLst>
+              <a:ext uri="{FF2B5EF4-FFF2-40B4-BE49-F238E27FC236}">
+                <a16:creationId xmlns:a16="http://schemas.microsoft.com/office/drawing/2014/main" id="{388E3C7C-F126-BE93-D841-FF177089A10A}"/>
+              </a:ext>
+            </a:extLst>
+          </p:cNvPr>
+          <p:cNvPicPr>
+            <a:picLocks noChangeAspect="1"/>
+            <a:extLst>
+              <a:ext uri="{51228E76-BA90-4043-B771-695A4F85340A}">
+                <alf:liveFeedProps xmlns:alf="http://schemas.microsoft.com/office/drawing/2021/livefeed"/>
+              </a:ext>
+            </a:extLst>
+          </p:cNvPicPr>
+          <p:nvPr/>
+        </p:nvPicPr>
+        <p:blipFill rotWithShape="1">
+          <a:blip r:embed="rId2">
+            <a:extLst>
+              <a:ext uri="{96DAC541-7B7A-43D3-8B79-37D633B846F1}">
+                <asvg:svgBlip xmlns:asvg="http://schemas.microsoft.com/office/drawing/2016/SVG/main" r:embed="rId3"/>
+              </a:ext>
+            </a:extLst>
+          </a:blip>
+          <a:srcRect l="14216"/>
+          <a:stretch/>
+        </p:blipFill>
+        <p:spPr>
+          <a:xfrm>
+            <a:off x="1913137" y="1606459"/>
+            <a:ext cx="2330387" cy="2276911"/>
+          </a:xfrm>
+          <a:prstGeom prst="rect">
+            <a:avLst/>
+          </a:prstGeom>
+        </p:spPr>
+      </p:pic>
+    </p:spTree>
+    <p:extLst>
+      <p:ext uri="{BB962C8B-B14F-4D97-AF65-F5344CB8AC3E}">
+        <p14:creationId xmlns:p14="http://schemas.microsoft.com/office/powerpoint/2010/main" val="418107172"/>
+      </p:ext>
+    </p:extLst>
   </p:cSld>
   <p:clrMapOvr>
     <a:masterClrMapping/>
